--- a/Flight Cost Analysis.pptx
+++ b/Flight Cost Analysis.pptx
@@ -6,16 +6,16 @@
   </p:sldMasterIdLst>
   <p:sldIdLst>
     <p:sldId id="256" r:id="rId2"/>
-    <p:sldId id="257" r:id="rId3"/>
-    <p:sldId id="258" r:id="rId4"/>
+    <p:sldId id="258" r:id="rId3"/>
+    <p:sldId id="257" r:id="rId4"/>
     <p:sldId id="260" r:id="rId5"/>
     <p:sldId id="261" r:id="rId6"/>
     <p:sldId id="262" r:id="rId7"/>
     <p:sldId id="264" r:id="rId8"/>
     <p:sldId id="265" r:id="rId9"/>
     <p:sldId id="266" r:id="rId10"/>
-    <p:sldId id="267" r:id="rId11"/>
-    <p:sldId id="268" r:id="rId12"/>
+    <p:sldId id="268" r:id="rId11"/>
+    <p:sldId id="270" r:id="rId12"/>
   </p:sldIdLst>
   <p:sldSz cx="12192000" cy="6858000"/>
   <p:notesSz cx="6858000" cy="9144000"/>
@@ -311,7 +311,7 @@
             <a:fld id="{B61BEF0D-F0BB-DE4B-95CE-6DB70DBA9567}" type="datetimeFigureOut">
               <a:rPr lang="en-US" dirty="0"/>
               <a:pPr/>
-              <a:t>3/12/2019</a:t>
+              <a:t>3/13/2019</a:t>
             </a:fld>
             <a:endParaRPr lang="en-US" dirty="0"/>
           </a:p>
@@ -646,7 +646,7 @@
             <a:fld id="{B61BEF0D-F0BB-DE4B-95CE-6DB70DBA9567}" type="datetimeFigureOut">
               <a:rPr lang="en-US" dirty="0"/>
               <a:pPr/>
-              <a:t>3/12/2019</a:t>
+              <a:t>3/13/2019</a:t>
             </a:fld>
             <a:endParaRPr lang="en-US" dirty="0"/>
           </a:p>
@@ -1044,7 +1044,7 @@
             <a:fld id="{B61BEF0D-F0BB-DE4B-95CE-6DB70DBA9567}" type="datetimeFigureOut">
               <a:rPr lang="en-US" dirty="0"/>
               <a:pPr/>
-              <a:t>3/12/2019</a:t>
+              <a:t>3/13/2019</a:t>
             </a:fld>
             <a:endParaRPr lang="en-US" dirty="0"/>
           </a:p>
@@ -1377,7 +1377,7 @@
             <a:fld id="{B61BEF0D-F0BB-DE4B-95CE-6DB70DBA9567}" type="datetimeFigureOut">
               <a:rPr lang="en-US" dirty="0"/>
               <a:pPr/>
-              <a:t>3/12/2019</a:t>
+              <a:t>3/13/2019</a:t>
             </a:fld>
             <a:endParaRPr lang="en-US" dirty="0"/>
           </a:p>
@@ -1694,7 +1694,7 @@
             <a:fld id="{B61BEF0D-F0BB-DE4B-95CE-6DB70DBA9567}" type="datetimeFigureOut">
               <a:rPr lang="en-US" dirty="0"/>
               <a:pPr/>
-              <a:t>3/12/2019</a:t>
+              <a:t>3/13/2019</a:t>
             </a:fld>
             <a:endParaRPr lang="en-US" dirty="0"/>
           </a:p>
@@ -2087,7 +2087,7 @@
             <a:fld id="{B61BEF0D-F0BB-DE4B-95CE-6DB70DBA9567}" type="datetimeFigureOut">
               <a:rPr lang="en-US" dirty="0"/>
               <a:pPr/>
-              <a:t>3/12/2019</a:t>
+              <a:t>3/13/2019</a:t>
             </a:fld>
             <a:endParaRPr lang="en-US" dirty="0"/>
           </a:p>
@@ -2341,7 +2341,7 @@
             <a:fld id="{B61BEF0D-F0BB-DE4B-95CE-6DB70DBA9567}" type="datetimeFigureOut">
               <a:rPr lang="en-US" dirty="0"/>
               <a:pPr/>
-              <a:t>3/12/2019</a:t>
+              <a:t>3/13/2019</a:t>
             </a:fld>
             <a:endParaRPr lang="en-US" dirty="0"/>
           </a:p>
@@ -2600,7 +2600,7 @@
             <a:fld id="{B61BEF0D-F0BB-DE4B-95CE-6DB70DBA9567}" type="datetimeFigureOut">
               <a:rPr lang="en-US" dirty="0"/>
               <a:pPr/>
-              <a:t>3/12/2019</a:t>
+              <a:t>3/13/2019</a:t>
             </a:fld>
             <a:endParaRPr lang="en-US" dirty="0"/>
           </a:p>
@@ -2859,7 +2859,7 @@
             <a:fld id="{B61BEF0D-F0BB-DE4B-95CE-6DB70DBA9567}" type="datetimeFigureOut">
               <a:rPr lang="en-US" dirty="0"/>
               <a:pPr/>
-              <a:t>3/12/2019</a:t>
+              <a:t>3/13/2019</a:t>
             </a:fld>
             <a:endParaRPr lang="en-US" dirty="0"/>
           </a:p>
@@ -3185,7 +3185,7 @@
             <a:fld id="{B61BEF0D-F0BB-DE4B-95CE-6DB70DBA9567}" type="datetimeFigureOut">
               <a:rPr lang="en-US" dirty="0"/>
               <a:pPr/>
-              <a:t>3/12/2019</a:t>
+              <a:t>3/13/2019</a:t>
             </a:fld>
             <a:endParaRPr lang="en-US" dirty="0"/>
           </a:p>
@@ -3505,7 +3505,7 @@
             <a:fld id="{B61BEF0D-F0BB-DE4B-95CE-6DB70DBA9567}" type="datetimeFigureOut">
               <a:rPr lang="en-US" dirty="0"/>
               <a:pPr/>
-              <a:t>3/12/2019</a:t>
+              <a:t>3/13/2019</a:t>
             </a:fld>
             <a:endParaRPr lang="en-US" dirty="0"/>
           </a:p>
@@ -3959,7 +3959,7 @@
             <a:fld id="{B61BEF0D-F0BB-DE4B-95CE-6DB70DBA9567}" type="datetimeFigureOut">
               <a:rPr lang="en-US" dirty="0"/>
               <a:pPr/>
-              <a:t>3/12/2019</a:t>
+              <a:t>3/13/2019</a:t>
             </a:fld>
             <a:endParaRPr lang="en-US" dirty="0"/>
           </a:p>
@@ -4161,7 +4161,7 @@
             <a:fld id="{B61BEF0D-F0BB-DE4B-95CE-6DB70DBA9567}" type="datetimeFigureOut">
               <a:rPr lang="en-US" dirty="0"/>
               <a:pPr/>
-              <a:t>3/12/2019</a:t>
+              <a:t>3/13/2019</a:t>
             </a:fld>
             <a:endParaRPr lang="en-US" dirty="0"/>
           </a:p>
@@ -4335,7 +4335,7 @@
             <a:fld id="{B61BEF0D-F0BB-DE4B-95CE-6DB70DBA9567}" type="datetimeFigureOut">
               <a:rPr lang="en-US" dirty="0"/>
               <a:pPr/>
-              <a:t>3/12/2019</a:t>
+              <a:t>3/13/2019</a:t>
             </a:fld>
             <a:endParaRPr lang="en-US" dirty="0"/>
           </a:p>
@@ -4665,7 +4665,7 @@
             <a:fld id="{B61BEF0D-F0BB-DE4B-95CE-6DB70DBA9567}" type="datetimeFigureOut">
               <a:rPr lang="en-US" dirty="0"/>
               <a:pPr/>
-              <a:t>3/12/2019</a:t>
+              <a:t>3/13/2019</a:t>
             </a:fld>
             <a:endParaRPr lang="en-US" dirty="0"/>
           </a:p>
@@ -5007,7 +5007,7 @@
             <a:fld id="{B61BEF0D-F0BB-DE4B-95CE-6DB70DBA9567}" type="datetimeFigureOut">
               <a:rPr lang="en-US" dirty="0"/>
               <a:pPr/>
-              <a:t>3/12/2019</a:t>
+              <a:t>3/13/2019</a:t>
             </a:fld>
             <a:endParaRPr lang="en-US" dirty="0"/>
           </a:p>
@@ -7121,7 +7121,7 @@
             <a:fld id="{B61BEF0D-F0BB-DE4B-95CE-6DB70DBA9567}" type="datetimeFigureOut">
               <a:rPr lang="en-US" dirty="0"/>
               <a:pPr/>
-              <a:t>3/12/2019</a:t>
+              <a:t>3/13/2019</a:t>
             </a:fld>
             <a:endParaRPr lang="en-US" dirty="0"/>
           </a:p>
@@ -7691,7 +7691,7 @@
           <a:p>
             <a:r>
               <a:rPr lang="en-US" dirty="0"/>
-              <a:t>By: Connor Crossey, Sharon Combs Darst, Sai </a:t>
+              <a:t>By: Connor Crossey, Sharon Darst, Sai </a:t>
             </a:r>
             <a:r>
               <a:rPr lang="en-US" dirty="0" err="1"/>
@@ -7739,7 +7739,7 @@
           <p:cNvPr id="2" name="Title 1">
             <a:extLst>
               <a:ext uri="{FF2B5EF4-FFF2-40B4-BE49-F238E27FC236}">
-                <a16:creationId xmlns:a16="http://schemas.microsoft.com/office/drawing/2014/main" id="{39DCD51E-CF60-40C9-A6FD-A1DCEFC1CCF8}"/>
+                <a16:creationId xmlns:a16="http://schemas.microsoft.com/office/drawing/2014/main" id="{54D095A7-3DE3-4518-BD8B-5ACF2FB73C95}"/>
               </a:ext>
             </a:extLst>
           </p:cNvPr>
@@ -7756,19 +7756,48 @@
           <a:lstStyle/>
           <a:p>
             <a:r>
-              <a:rPr lang="en-US" dirty="0" err="1">
-                <a:hlinkClick r:id="rId2" action="ppaction://hlinkfile"/>
-              </a:rPr>
-              <a:t>airefare_passengersHtml</a:t>
-            </a:r>
-            <a:endParaRPr lang="en-US" dirty="0"/>
-          </a:p>
-        </p:txBody>
-      </p:sp>
+              <a:rPr lang="en-US" dirty="0"/>
+              <a:t>Oil Prices over time</a:t>
+            </a:r>
+          </a:p>
+        </p:txBody>
+      </p:sp>
+      <p:pic>
+        <p:nvPicPr>
+          <p:cNvPr id="4" name="Content Placeholder 3">
+            <a:extLst>
+              <a:ext uri="{FF2B5EF4-FFF2-40B4-BE49-F238E27FC236}">
+                <a16:creationId xmlns:a16="http://schemas.microsoft.com/office/drawing/2014/main" id="{40DA7ECF-A866-4532-B044-7664516A2060}"/>
+              </a:ext>
+            </a:extLst>
+          </p:cNvPr>
+          <p:cNvPicPr>
+            <a:picLocks noGrp="1" noChangeAspect="1"/>
+          </p:cNvPicPr>
+          <p:nvPr>
+            <p:ph idx="1"/>
+          </p:nvPr>
+        </p:nvPicPr>
+        <p:blipFill>
+          <a:blip r:embed="rId2"/>
+          <a:stretch>
+            <a:fillRect/>
+          </a:stretch>
+        </p:blipFill>
+        <p:spPr>
+          <a:xfrm>
+            <a:off x="1132224" y="1367160"/>
+            <a:ext cx="10493873" cy="5255581"/>
+          </a:xfrm>
+          <a:prstGeom prst="rect">
+            <a:avLst/>
+          </a:prstGeom>
+        </p:spPr>
+      </p:pic>
     </p:spTree>
     <p:extLst>
       <p:ext uri="{BB962C8B-B14F-4D97-AF65-F5344CB8AC3E}">
-        <p14:creationId xmlns:p14="http://schemas.microsoft.com/office/powerpoint/2010/main" val="4034280085"/>
+        <p14:creationId xmlns:p14="http://schemas.microsoft.com/office/powerpoint/2010/main" val="2287125014"/>
       </p:ext>
     </p:extLst>
   </p:cSld>
@@ -7800,7 +7829,7 @@
           <p:cNvPr id="2" name="Title 1">
             <a:extLst>
               <a:ext uri="{FF2B5EF4-FFF2-40B4-BE49-F238E27FC236}">
-                <a16:creationId xmlns:a16="http://schemas.microsoft.com/office/drawing/2014/main" id="{54D095A7-3DE3-4518-BD8B-5ACF2FB73C95}"/>
+                <a16:creationId xmlns:a16="http://schemas.microsoft.com/office/drawing/2014/main" id="{1CFEBB16-A37C-4BEF-B65F-78FCE928D517}"/>
               </a:ext>
             </a:extLst>
           </p:cNvPr>
@@ -7818,47 +7847,115 @@
           <a:p>
             <a:r>
               <a:rPr lang="en-US" dirty="0"/>
-              <a:t>Oil Prices over time</a:t>
-            </a:r>
-          </a:p>
-        </p:txBody>
-      </p:sp>
-      <p:pic>
-        <p:nvPicPr>
-          <p:cNvPr id="4" name="Content Placeholder 3">
+              <a:t>Summary</a:t>
+            </a:r>
+          </a:p>
+        </p:txBody>
+      </p:sp>
+      <p:sp>
+        <p:nvSpPr>
+          <p:cNvPr id="3" name="Content Placeholder 2">
             <a:extLst>
               <a:ext uri="{FF2B5EF4-FFF2-40B4-BE49-F238E27FC236}">
-                <a16:creationId xmlns:a16="http://schemas.microsoft.com/office/drawing/2014/main" id="{40DA7ECF-A866-4532-B044-7664516A2060}"/>
+                <a16:creationId xmlns:a16="http://schemas.microsoft.com/office/drawing/2014/main" id="{3FA28351-8E3C-4572-9795-8EEC223BA22B}"/>
               </a:ext>
             </a:extLst>
           </p:cNvPr>
-          <p:cNvPicPr>
-            <a:picLocks noGrp="1" noChangeAspect="1"/>
-          </p:cNvPicPr>
+          <p:cNvSpPr>
+            <a:spLocks noGrp="1"/>
+          </p:cNvSpPr>
           <p:nvPr>
             <p:ph idx="1"/>
           </p:nvPr>
-        </p:nvPicPr>
-        <p:blipFill>
-          <a:blip r:embed="rId2"/>
-          <a:stretch>
-            <a:fillRect/>
-          </a:stretch>
-        </p:blipFill>
-        <p:spPr>
-          <a:xfrm>
-            <a:off x="3274877" y="2133600"/>
-            <a:ext cx="7544071" cy="3778250"/>
-          </a:xfrm>
-          <a:prstGeom prst="rect">
-            <a:avLst/>
-          </a:prstGeom>
-        </p:spPr>
-      </p:pic>
+        </p:nvSpPr>
+        <p:spPr/>
+        <p:txBody>
+          <a:bodyPr>
+            <a:normAutofit/>
+          </a:bodyPr>
+          <a:lstStyle/>
+          <a:p>
+            <a:r>
+              <a:rPr lang="en-US" dirty="0"/>
+              <a:t>People are traveling more (not less)</a:t>
+            </a:r>
+          </a:p>
+          <a:p>
+            <a:pPr lvl="1"/>
+            <a:r>
+              <a:rPr lang="en-US" dirty="0">
+                <a:hlinkClick r:id="rId2" action="ppaction://hlinkfile"/>
+              </a:rPr>
+              <a:t>Passengers_overtime.html</a:t>
+            </a:r>
+            <a:endParaRPr lang="en-US" dirty="0"/>
+          </a:p>
+          <a:p>
+            <a:r>
+              <a:rPr lang="en-US" dirty="0" err="1"/>
+              <a:t>AirFare</a:t>
+            </a:r>
+            <a:r>
+              <a:rPr lang="en-US" dirty="0"/>
+              <a:t> cost has decreased over the last decade</a:t>
+            </a:r>
+          </a:p>
+          <a:p>
+            <a:pPr lvl="1"/>
+            <a:r>
+              <a:rPr lang="en-US" dirty="0">
+                <a:hlinkClick r:id="rId3" action="ppaction://hlinkfile"/>
+              </a:rPr>
+              <a:t>Airfare_overtime.html</a:t>
+            </a:r>
+            <a:endParaRPr lang="en-US" dirty="0"/>
+          </a:p>
+          <a:p>
+            <a:r>
+              <a:rPr lang="en-US" dirty="0"/>
+              <a:t>More travel occurs by quarter</a:t>
+            </a:r>
+          </a:p>
+          <a:p>
+            <a:pPr lvl="1"/>
+            <a:r>
+              <a:rPr lang="en-US" dirty="0">
+                <a:hlinkClick r:id="rId4" action="ppaction://hlinkfile"/>
+              </a:rPr>
+              <a:t>Decade_Quarter_Total.png</a:t>
+            </a:r>
+            <a:endParaRPr lang="en-US" dirty="0"/>
+          </a:p>
+          <a:p>
+            <a:r>
+              <a:rPr lang="en-US" dirty="0"/>
+              <a:t>Cost of </a:t>
+            </a:r>
+            <a:r>
+              <a:rPr lang="en-US" dirty="0" err="1"/>
+              <a:t>AirFare</a:t>
+            </a:r>
+            <a:r>
+              <a:rPr lang="en-US" dirty="0"/>
+              <a:t> by State (interesting to see)</a:t>
+            </a:r>
+          </a:p>
+          <a:p>
+            <a:pPr lvl="1"/>
+            <a:r>
+              <a:rPr lang="en-US" dirty="0">
+                <a:hlinkClick r:id="rId5" action="ppaction://hlinkfile"/>
+              </a:rPr>
+              <a:t>AirFarebyState.html</a:t>
+            </a:r>
+            <a:endParaRPr lang="en-US" dirty="0"/>
+          </a:p>
+        </p:txBody>
+      </p:sp>
     </p:spTree>
     <p:extLst>
       <p:ext uri="{BB962C8B-B14F-4D97-AF65-F5344CB8AC3E}">
-        <p14:creationId xmlns:p14="http://schemas.microsoft.com/office/powerpoint/2010/main" val="2287125014"/>
+        <p14:creationId xmlns:p14="http://schemas.microsoft.com/office/powerpoint/2010/main" val="3067690438"/>
       </p:ext>
     </p:extLst>
   </p:cSld>
@@ -7890,7 +7987,7 @@
           <p:cNvPr id="2" name="Title 1">
             <a:extLst>
               <a:ext uri="{FF2B5EF4-FFF2-40B4-BE49-F238E27FC236}">
-                <a16:creationId xmlns:a16="http://schemas.microsoft.com/office/drawing/2014/main" id="{E12A03D9-3BF4-4E67-AB76-A15401B59832}"/>
+                <a16:creationId xmlns:a16="http://schemas.microsoft.com/office/drawing/2014/main" id="{A1DF457A-E1D0-4F9D-9695-F3424939C6EA}"/>
               </a:ext>
             </a:extLst>
           </p:cNvPr>
@@ -7908,7 +8005,7 @@
           <a:p>
             <a:r>
               <a:rPr lang="en-US" dirty="0"/>
-              <a:t>Project Description</a:t>
+              <a:t>Project Process</a:t>
             </a:r>
           </a:p>
         </p:txBody>
@@ -7918,7 +8015,7 @@
           <p:cNvPr id="3" name="Content Placeholder 2">
             <a:extLst>
               <a:ext uri="{FF2B5EF4-FFF2-40B4-BE49-F238E27FC236}">
-                <a16:creationId xmlns:a16="http://schemas.microsoft.com/office/drawing/2014/main" id="{5A824EBB-A1A8-4A65-9CE8-EA946F430150}"/>
+                <a16:creationId xmlns:a16="http://schemas.microsoft.com/office/drawing/2014/main" id="{725AF457-9E33-48D2-A43C-AB0175D194F5}"/>
               </a:ext>
             </a:extLst>
           </p:cNvPr>
@@ -7936,56 +8033,69 @@
           <a:p>
             <a:r>
               <a:rPr lang="en-US" dirty="0"/>
-              <a:t>We will be analyzing flight data from 2008 – 2018 (decade)in order to find the trends in airfare and impact on travel volume over time.</a:t>
+              <a:t>1. Decided on project theme</a:t>
             </a:r>
           </a:p>
           <a:p>
             <a:r>
               <a:rPr lang="en-US" dirty="0"/>
-              <a:t>Data Sources:</a:t>
+              <a:t>2. Identify data sources</a:t>
+            </a:r>
+          </a:p>
+          <a:p>
+            <a:r>
+              <a:rPr lang="en-US" dirty="0"/>
+              <a:t>3. Hypothesis</a:t>
+            </a:r>
+          </a:p>
+          <a:p>
+            <a:r>
+              <a:rPr lang="en-US" dirty="0"/>
+              <a:t>4. Analyzed the information</a:t>
             </a:r>
           </a:p>
           <a:p>
             <a:pPr lvl="1"/>
             <a:r>
-              <a:rPr lang="en-US" dirty="0" err="1"/>
-              <a:t>AirFare</a:t>
-            </a:r>
-            <a:r>
               <a:rPr lang="en-US" dirty="0"/>
-              <a:t> &amp; Passenger data came from Bureau </a:t>
-            </a:r>
-            <a:r>
-              <a:rPr lang="en-US" u="sng" dirty="0">
-                <a:hlinkClick r:id="rId2"/>
-              </a:rPr>
-              <a:t>https://www.transtats.bts.gov</a:t>
-            </a:r>
-            <a:endParaRPr lang="en-US" u="sng" dirty="0"/>
+              <a:t>Parsed </a:t>
+            </a:r>
           </a:p>
           <a:p>
             <a:pPr lvl="1"/>
             <a:r>
-              <a:rPr lang="en-US" dirty="0">
-                <a:hlinkClick r:id="rId3"/>
-              </a:rPr>
-              <a:t>https://data.oecd.org/energy/crude-oil-import-prices.htm#indicator-chart</a:t>
-            </a:r>
-            <a:endParaRPr lang="en-US" dirty="0"/>
+              <a:rPr lang="en-US" dirty="0"/>
+              <a:t>Stats</a:t>
+            </a:r>
           </a:p>
           <a:p>
             <a:pPr lvl="1"/>
             <a:r>
               <a:rPr lang="en-US" dirty="0"/>
-              <a:t>S &amp; P Global Plats / Oil Market PDF</a:t>
-            </a:r>
+              <a:t>Graphing/Exploration</a:t>
+            </a:r>
+          </a:p>
+          <a:p>
+            <a:r>
+              <a:rPr lang="en-US" dirty="0"/>
+              <a:t>5. Review, reorganize</a:t>
+            </a:r>
+          </a:p>
+          <a:p>
+            <a:r>
+              <a:rPr lang="en-US" dirty="0"/>
+              <a:t>6. Conclusions</a:t>
+            </a:r>
+          </a:p>
+          <a:p>
+            <a:endParaRPr lang="en-US" dirty="0"/>
           </a:p>
         </p:txBody>
       </p:sp>
     </p:spTree>
     <p:extLst>
       <p:ext uri="{BB962C8B-B14F-4D97-AF65-F5344CB8AC3E}">
-        <p14:creationId xmlns:p14="http://schemas.microsoft.com/office/powerpoint/2010/main" val="2959082691"/>
+        <p14:creationId xmlns:p14="http://schemas.microsoft.com/office/powerpoint/2010/main" val="2767533074"/>
       </p:ext>
     </p:extLst>
   </p:cSld>
@@ -8017,7 +8127,7 @@
           <p:cNvPr id="2" name="Title 1">
             <a:extLst>
               <a:ext uri="{FF2B5EF4-FFF2-40B4-BE49-F238E27FC236}">
-                <a16:creationId xmlns:a16="http://schemas.microsoft.com/office/drawing/2014/main" id="{A1DF457A-E1D0-4F9D-9695-F3424939C6EA}"/>
+                <a16:creationId xmlns:a16="http://schemas.microsoft.com/office/drawing/2014/main" id="{E12A03D9-3BF4-4E67-AB76-A15401B59832}"/>
               </a:ext>
             </a:extLst>
           </p:cNvPr>
@@ -8035,7 +8145,7 @@
           <a:p>
             <a:r>
               <a:rPr lang="en-US" dirty="0"/>
-              <a:t>Project Process</a:t>
+              <a:t>Project Description</a:t>
             </a:r>
           </a:p>
         </p:txBody>
@@ -8045,7 +8155,7 @@
           <p:cNvPr id="3" name="Content Placeholder 2">
             <a:extLst>
               <a:ext uri="{FF2B5EF4-FFF2-40B4-BE49-F238E27FC236}">
-                <a16:creationId xmlns:a16="http://schemas.microsoft.com/office/drawing/2014/main" id="{725AF457-9E33-48D2-A43C-AB0175D194F5}"/>
+                <a16:creationId xmlns:a16="http://schemas.microsoft.com/office/drawing/2014/main" id="{5A824EBB-A1A8-4A65-9CE8-EA946F430150}"/>
               </a:ext>
             </a:extLst>
           </p:cNvPr>
@@ -8056,84 +8166,72 @@
             <p:ph idx="1"/>
           </p:nvPr>
         </p:nvSpPr>
-        <p:spPr/>
-        <p:txBody>
-          <a:bodyPr/>
+        <p:spPr>
+          <a:xfrm>
+            <a:off x="1870120" y="1618695"/>
+            <a:ext cx="8915400" cy="3777622"/>
+          </a:xfrm>
+        </p:spPr>
+        <p:txBody>
+          <a:bodyPr>
+            <a:normAutofit fontScale="92500" lnSpcReduction="10000"/>
+          </a:bodyPr>
           <a:lstStyle/>
           <a:p>
+            <a:pPr marL="0" indent="0" algn="ctr">
+              <a:buNone/>
+            </a:pPr>
+            <a:r>
+              <a:rPr lang="en-US" sz="2600" b="1" dirty="0"/>
+              <a:t>We will be analyzing flight data from 2008 – 2018 in order to find trends in airfare and the impact on travel volume over time.</a:t>
+            </a:r>
+          </a:p>
+          <a:p>
+            <a:pPr marL="0" indent="0">
+              <a:buNone/>
+            </a:pPr>
+            <a:r>
+              <a:rPr lang="en-US" b="1" dirty="0"/>
+              <a:t>Data Sources:</a:t>
+            </a:r>
+          </a:p>
+          <a:p>
+            <a:r>
+              <a:rPr lang="en-US" dirty="0" err="1"/>
+              <a:t>AirFare</a:t>
+            </a:r>
             <a:r>
               <a:rPr lang="en-US" dirty="0"/>
-              <a:t>1. Decided on project theme</a:t>
-            </a:r>
-          </a:p>
-          <a:p>
+              <a:t> &amp; Passenger data came from Bureau About the Bureau of Transportation Statistics (BTS).</a:t>
+            </a:r>
+          </a:p>
+          <a:p>
+            <a:pPr lvl="1"/>
             <a:r>
               <a:rPr lang="en-US" dirty="0"/>
-              <a:t>2. Identify data sources</a:t>
-            </a:r>
-          </a:p>
-          <a:p>
+              <a:t>BTS assures the credibility through rigorous analysis, transparent data quality, and independence from political influence. </a:t>
+            </a:r>
+          </a:p>
+          <a:p>
+            <a:pPr lvl="1"/>
             <a:r>
               <a:rPr lang="en-US" dirty="0"/>
-              <a:t>3. Hypothesis</a:t>
-            </a:r>
-          </a:p>
-          <a:p>
-            <a:r>
-              <a:rPr lang="en-US" dirty="0"/>
-              <a:t>4. </a:t>
-            </a:r>
-            <a:r>
-              <a:rPr lang="en-US" dirty="0" err="1"/>
-              <a:t>Analzed</a:t>
-            </a:r>
-            <a:r>
-              <a:rPr lang="en-US" dirty="0"/>
-              <a:t> the information</a:t>
-            </a:r>
-          </a:p>
-          <a:p>
-            <a:pPr lvl="1"/>
-            <a:r>
-              <a:rPr lang="en-US" dirty="0"/>
-              <a:t>Parsed </a:t>
-            </a:r>
-          </a:p>
-          <a:p>
-            <a:pPr lvl="1"/>
-            <a:r>
-              <a:rPr lang="en-US" dirty="0"/>
-              <a:t>Stats</a:t>
-            </a:r>
-          </a:p>
-          <a:p>
-            <a:pPr lvl="1"/>
-            <a:r>
-              <a:rPr lang="en-US" dirty="0"/>
-              <a:t>Graphing</a:t>
-            </a:r>
-          </a:p>
-          <a:p>
-            <a:r>
-              <a:rPr lang="en-US" dirty="0"/>
-              <a:t>5. Review, reorganize</a:t>
-            </a:r>
-          </a:p>
-          <a:p>
-            <a:r>
-              <a:rPr lang="en-US" dirty="0"/>
-              <a:t>6. Conclusions</a:t>
-            </a:r>
-          </a:p>
-          <a:p>
-            <a:endParaRPr lang="en-US" dirty="0"/>
+              <a:t>The Bureau’s National Transportation Library (NTL) is the permanent, publicly accessible home for research publications from throughout the transportation community; the gateway to all DOT data; and the help line for the Congress, researchers, and the public for information about transportation.  </a:t>
+            </a:r>
+            <a:r>
+              <a:rPr lang="en-US" u="sng" dirty="0">
+                <a:hlinkClick r:id="rId2"/>
+              </a:rPr>
+              <a:t>https://www.transtats.bts.gov</a:t>
+            </a:r>
+            <a:endParaRPr lang="en-US" u="sng" dirty="0"/>
           </a:p>
         </p:txBody>
       </p:sp>
     </p:spTree>
     <p:extLst>
       <p:ext uri="{BB962C8B-B14F-4D97-AF65-F5344CB8AC3E}">
-        <p14:creationId xmlns:p14="http://schemas.microsoft.com/office/powerpoint/2010/main" val="2767533074"/>
+        <p14:creationId xmlns:p14="http://schemas.microsoft.com/office/powerpoint/2010/main" val="2959082691"/>
       </p:ext>
     </p:extLst>
   </p:cSld>
@@ -8182,16 +8280,23 @@
           <a:lstStyle/>
           <a:p>
             <a:r>
-              <a:rPr lang="en-US" dirty="0"/>
+              <a:rPr lang="en-US" dirty="0">
+                <a:hlinkClick r:id="rId2" action="ppaction://hlinkfile"/>
+              </a:rPr>
               <a:t>Passenger Trends </a:t>
             </a:r>
             <a:br>
-              <a:rPr lang="en-US" dirty="0"/>
+              <a:rPr lang="en-US" dirty="0">
+                <a:hlinkClick r:id="rId2" action="ppaction://hlinkfile"/>
+              </a:rPr>
             </a:br>
             <a:r>
-              <a:rPr lang="en-US" dirty="0"/>
+              <a:rPr lang="en-US" dirty="0">
+                <a:hlinkClick r:id="rId2" action="ppaction://hlinkfile"/>
+              </a:rPr>
               <a:t>Annually &amp; Quarterly</a:t>
             </a:r>
+            <a:endParaRPr lang="en-US" dirty="0"/>
           </a:p>
         </p:txBody>
       </p:sp>
@@ -8211,23 +8316,41 @@
             <p:ph idx="1"/>
           </p:nvPr>
         </p:nvSpPr>
-        <p:spPr/>
+        <p:spPr>
+          <a:xfrm>
+            <a:off x="2672824" y="2538718"/>
+            <a:ext cx="3807875" cy="2113181"/>
+          </a:xfrm>
+        </p:spPr>
         <p:txBody>
           <a:bodyPr/>
           <a:lstStyle/>
+          <a:p>
+            <a:endParaRPr lang="en-US" dirty="0">
+              <a:hlinkClick r:id="rId2" action="ppaction://hlinkfile"/>
+            </a:endParaRPr>
+          </a:p>
+          <a:p>
+            <a:endParaRPr lang="en-US" dirty="0">
+              <a:hlinkClick r:id="rId2" action="ppaction://hlinkfile"/>
+            </a:endParaRPr>
+          </a:p>
           <a:p>
             <a:r>
               <a:rPr lang="en-US" dirty="0">
                 <a:hlinkClick r:id="rId2" action="ppaction://hlinkfile"/>
               </a:rPr>
-              <a:t>file:///C:/Users/sharo/AppData/Local/Packages/Microsoft.MicrosoftEdge_8wekyb3d8bbwe/TempState/Downloads/airefare_timeHtml.html</a:t>
-            </a:r>
-            <a:endParaRPr lang="en-US" dirty="0"/>
-          </a:p>
-          <a:p>
-            <a:endParaRPr lang="en-US" dirty="0"/>
-          </a:p>
-          <a:p>
+              <a:t>Passengers_overtime.html</a:t>
+            </a:r>
+            <a:endParaRPr lang="en-US" dirty="0"/>
+          </a:p>
+          <a:p>
+            <a:r>
+              <a:rPr lang="en-US" dirty="0">
+                <a:hlinkClick r:id="rId3" action="ppaction://hlinkfile"/>
+              </a:rPr>
+              <a:t>Decade_Quarter_Total.png</a:t>
+            </a:r>
             <a:endParaRPr lang="en-US" dirty="0"/>
           </a:p>
         </p:txBody>
@@ -8278,15 +8401,23 @@
             <p:ph type="title"/>
           </p:nvPr>
         </p:nvSpPr>
-        <p:spPr/>
+        <p:spPr>
+          <a:xfrm>
+            <a:off x="1971489" y="624110"/>
+            <a:ext cx="8911687" cy="1280890"/>
+          </a:xfrm>
+        </p:spPr>
         <p:txBody>
           <a:bodyPr/>
           <a:lstStyle/>
           <a:p>
             <a:r>
-              <a:rPr lang="en-US" dirty="0"/>
-              <a:t>Airfare Trends over time</a:t>
-            </a:r>
+              <a:rPr lang="en-US" dirty="0">
+                <a:hlinkClick r:id="rId2" action="ppaction://hlinkfile"/>
+              </a:rPr>
+              <a:t>Airfare Trends Over Time</a:t>
+            </a:r>
+            <a:endParaRPr lang="en-US" dirty="0"/>
           </a:p>
         </p:txBody>
       </p:sp>
@@ -8306,24 +8437,56 @@
             <p:ph idx="1"/>
           </p:nvPr>
         </p:nvSpPr>
-        <p:spPr/>
+        <p:spPr>
+          <a:xfrm>
+            <a:off x="2589212" y="2133600"/>
+            <a:ext cx="6798628" cy="1026160"/>
+          </a:xfrm>
+        </p:spPr>
         <p:txBody>
           <a:bodyPr/>
           <a:lstStyle/>
           <a:p>
             <a:r>
               <a:rPr lang="en-US" dirty="0">
-                <a:hlinkClick r:id="rId2"/>
+                <a:hlinkClick r:id="rId2" action="ppaction://hlinkfile"/>
               </a:rPr>
-              <a:t>https://plot.ly/~saikondrakunta/2/airfare-over-time/#/</a:t>
-            </a:r>
-            <a:endParaRPr lang="en-US" dirty="0"/>
-          </a:p>
-          <a:p>
-            <a:endParaRPr lang="en-US" dirty="0"/>
-          </a:p>
-        </p:txBody>
-      </p:sp>
+              <a:t>Airfare_overtime.html</a:t>
+            </a:r>
+            <a:endParaRPr lang="en-US" dirty="0"/>
+          </a:p>
+        </p:txBody>
+      </p:sp>
+      <p:pic>
+        <p:nvPicPr>
+          <p:cNvPr id="4" name="Picture 3">
+            <a:extLst>
+              <a:ext uri="{FF2B5EF4-FFF2-40B4-BE49-F238E27FC236}">
+                <a16:creationId xmlns:a16="http://schemas.microsoft.com/office/drawing/2014/main" id="{F9AC4C29-E350-424C-8E51-87380F99CCFB}"/>
+              </a:ext>
+            </a:extLst>
+          </p:cNvPr>
+          <p:cNvPicPr>
+            <a:picLocks noChangeAspect="1"/>
+          </p:cNvPicPr>
+          <p:nvPr/>
+        </p:nvPicPr>
+        <p:blipFill>
+          <a:blip r:embed="rId3"/>
+          <a:stretch>
+            <a:fillRect/>
+          </a:stretch>
+        </p:blipFill>
+        <p:spPr>
+          <a:xfrm>
+            <a:off x="3272081" y="3052458"/>
+            <a:ext cx="5819775" cy="2638425"/>
+          </a:xfrm>
+          <a:prstGeom prst="rect">
+            <a:avLst/>
+          </a:prstGeom>
+        </p:spPr>
+      </p:pic>
     </p:spTree>
     <p:extLst>
       <p:ext uri="{BB962C8B-B14F-4D97-AF65-F5344CB8AC3E}">
@@ -8376,9 +8539,12 @@
           <a:lstStyle/>
           <a:p>
             <a:r>
-              <a:rPr lang="en-US" dirty="0"/>
-              <a:t>Compare effects of airfare on travel volume</a:t>
-            </a:r>
+              <a:rPr lang="en-US" dirty="0">
+                <a:hlinkClick r:id="rId2" action="ppaction://hlinkfile"/>
+              </a:rPr>
+              <a:t>Compare effects of airfare on travel volume (stats)</a:t>
+            </a:r>
+            <a:endParaRPr lang="en-US" dirty="0"/>
           </a:p>
         </p:txBody>
       </p:sp>
@@ -8405,13 +8571,10 @@
           <a:p>
             <a:r>
               <a:rPr lang="en-US" dirty="0">
-                <a:hlinkClick r:id="rId2"/>
+                <a:hlinkClick r:id="rId2" action="ppaction://hlinkfile"/>
               </a:rPr>
-              <a:t>https://plot.ly/~saikondrakunta/4/passengers-vs-airfare/#/</a:t>
-            </a:r>
-            <a:endParaRPr lang="en-US" dirty="0"/>
-          </a:p>
-          <a:p>
+              <a:t>Airfare_Impact.html</a:t>
+            </a:r>
             <a:endParaRPr lang="en-US" dirty="0"/>
           </a:p>
         </p:txBody>
@@ -8438,7 +8601,7 @@
         </p:blipFill>
         <p:spPr>
           <a:xfrm>
-            <a:off x="1390650" y="2743200"/>
+            <a:off x="2341562" y="2650811"/>
             <a:ext cx="9410700" cy="1371600"/>
           </a:xfrm>
           <a:prstGeom prst="rect">
@@ -8498,8 +8661,14 @@
           <a:lstStyle/>
           <a:p>
             <a:r>
+              <a:rPr lang="en-US" dirty="0">
+                <a:hlinkClick r:id="rId2" action="ppaction://hlinkfile"/>
+              </a:rPr>
+              <a:t>Oil Price Over Time</a:t>
+            </a:r>
+            <a:r>
               <a:rPr lang="en-US" dirty="0"/>
-              <a:t>Oil Price over time	</a:t>
+              <a:t>	</a:t>
             </a:r>
           </a:p>
         </p:txBody>
@@ -8526,9 +8695,12 @@
           <a:lstStyle/>
           <a:p>
             <a:r>
-              <a:rPr lang="en-US" dirty="0"/>
-              <a:t>https://plot.ly/~saikondrakunta/6/oil-prices-over-time-by-quarter/#/</a:t>
-            </a:r>
+              <a:rPr lang="en-US" dirty="0">
+                <a:hlinkClick r:id="rId2" action="ppaction://hlinkfile"/>
+              </a:rPr>
+              <a:t>OilPrice_OverTime.html</a:t>
+            </a:r>
+            <a:endParaRPr lang="en-US" dirty="0"/>
           </a:p>
         </p:txBody>
       </p:sp>
@@ -8618,18 +8790,18 @@
           <a:p>
             <a:r>
               <a:rPr lang="en-US" dirty="0">
-                <a:hlinkClick r:id="rId2"/>
+                <a:hlinkClick r:id="rId2" action="ppaction://hlinkfile"/>
               </a:rPr>
-              <a:t>https://plot.ly/~saikondrakunta/8/airfare-vs-oilprices/#/</a:t>
+              <a:t>OilPrice_vsAirFare.html</a:t>
             </a:r>
             <a:endParaRPr lang="en-US" dirty="0"/>
           </a:p>
           <a:p>
             <a:r>
               <a:rPr lang="en-US" dirty="0">
-                <a:hlinkClick r:id="rId3"/>
+                <a:hlinkClick r:id="rId3" action="ppaction://hlinkfile"/>
               </a:rPr>
-              <a:t>https://plot.ly/~saikondrakunta/2/airfare-over-time/#/</a:t>
+              <a:t>OilPrice_OverTime.html</a:t>
             </a:r>
             <a:endParaRPr lang="en-US" dirty="0"/>
           </a:p>
@@ -8663,7 +8835,7 @@
         </p:blipFill>
         <p:spPr>
           <a:xfrm>
-            <a:off x="1878164" y="2781670"/>
+            <a:off x="2570621" y="2537830"/>
             <a:ext cx="8828294" cy="3778250"/>
           </a:xfrm>
           <a:prstGeom prst="rect">
@@ -8751,10 +8923,19 @@
           <a:lstStyle/>
           <a:p>
             <a:r>
-              <a:rPr lang="en-US" dirty="0" err="1">
+              <a:rPr lang="en-US" dirty="0">
                 <a:hlinkClick r:id="rId2" action="ppaction://hlinkfile"/>
               </a:rPr>
-              <a:t>airefare_passengersHtml</a:t>
+              <a:t>Airfare_overtime.html</a:t>
+            </a:r>
+            <a:endParaRPr lang="en-US" dirty="0"/>
+          </a:p>
+          <a:p>
+            <a:r>
+              <a:rPr lang="en-US" dirty="0">
+                <a:hlinkClick r:id="rId3" action="ppaction://hlinkfile"/>
+              </a:rPr>
+              <a:t>Passengers_overtime.html</a:t>
             </a:r>
             <a:endParaRPr lang="en-US" dirty="0"/>
           </a:p>
